--- a/figs/Figure1_Assemble with Legend.pptx
+++ b/figs/Figure1_Assemble with Legend.pptx
@@ -243,7 +243,7 @@
           <a:p>
             <a:fld id="{52C970AF-6EB8-4B4E-8B58-B0EA95C25003}" type="datetimeFigureOut">
               <a:rPr lang="en-US" smtClean="0"/>
-              <a:t>4/4/22</a:t>
+              <a:t>6/23/22</a:t>
             </a:fld>
             <a:endParaRPr lang="en-US"/>
           </a:p>
@@ -413,7 +413,7 @@
           <a:p>
             <a:fld id="{52C970AF-6EB8-4B4E-8B58-B0EA95C25003}" type="datetimeFigureOut">
               <a:rPr lang="en-US" smtClean="0"/>
-              <a:t>4/4/22</a:t>
+              <a:t>6/23/22</a:t>
             </a:fld>
             <a:endParaRPr lang="en-US"/>
           </a:p>
@@ -593,7 +593,7 @@
           <a:p>
             <a:fld id="{52C970AF-6EB8-4B4E-8B58-B0EA95C25003}" type="datetimeFigureOut">
               <a:rPr lang="en-US" smtClean="0"/>
-              <a:t>4/4/22</a:t>
+              <a:t>6/23/22</a:t>
             </a:fld>
             <a:endParaRPr lang="en-US"/>
           </a:p>
@@ -763,7 +763,7 @@
           <a:p>
             <a:fld id="{52C970AF-6EB8-4B4E-8B58-B0EA95C25003}" type="datetimeFigureOut">
               <a:rPr lang="en-US" smtClean="0"/>
-              <a:t>4/4/22</a:t>
+              <a:t>6/23/22</a:t>
             </a:fld>
             <a:endParaRPr lang="en-US"/>
           </a:p>
@@ -1007,7 +1007,7 @@
           <a:p>
             <a:fld id="{52C970AF-6EB8-4B4E-8B58-B0EA95C25003}" type="datetimeFigureOut">
               <a:rPr lang="en-US" smtClean="0"/>
-              <a:t>4/4/22</a:t>
+              <a:t>6/23/22</a:t>
             </a:fld>
             <a:endParaRPr lang="en-US"/>
           </a:p>
@@ -1239,7 +1239,7 @@
           <a:p>
             <a:fld id="{52C970AF-6EB8-4B4E-8B58-B0EA95C25003}" type="datetimeFigureOut">
               <a:rPr lang="en-US" smtClean="0"/>
-              <a:t>4/4/22</a:t>
+              <a:t>6/23/22</a:t>
             </a:fld>
             <a:endParaRPr lang="en-US"/>
           </a:p>
@@ -1606,7 +1606,7 @@
           <a:p>
             <a:fld id="{52C970AF-6EB8-4B4E-8B58-B0EA95C25003}" type="datetimeFigureOut">
               <a:rPr lang="en-US" smtClean="0"/>
-              <a:t>4/4/22</a:t>
+              <a:t>6/23/22</a:t>
             </a:fld>
             <a:endParaRPr lang="en-US"/>
           </a:p>
@@ -1724,7 +1724,7 @@
           <a:p>
             <a:fld id="{52C970AF-6EB8-4B4E-8B58-B0EA95C25003}" type="datetimeFigureOut">
               <a:rPr lang="en-US" smtClean="0"/>
-              <a:t>4/4/22</a:t>
+              <a:t>6/23/22</a:t>
             </a:fld>
             <a:endParaRPr lang="en-US"/>
           </a:p>
@@ -1819,7 +1819,7 @@
           <a:p>
             <a:fld id="{52C970AF-6EB8-4B4E-8B58-B0EA95C25003}" type="datetimeFigureOut">
               <a:rPr lang="en-US" smtClean="0"/>
-              <a:t>4/4/22</a:t>
+              <a:t>6/23/22</a:t>
             </a:fld>
             <a:endParaRPr lang="en-US"/>
           </a:p>
@@ -2096,7 +2096,7 @@
           <a:p>
             <a:fld id="{52C970AF-6EB8-4B4E-8B58-B0EA95C25003}" type="datetimeFigureOut">
               <a:rPr lang="en-US" smtClean="0"/>
-              <a:t>4/4/22</a:t>
+              <a:t>6/23/22</a:t>
             </a:fld>
             <a:endParaRPr lang="en-US"/>
           </a:p>
@@ -2353,7 +2353,7 @@
           <a:p>
             <a:fld id="{52C970AF-6EB8-4B4E-8B58-B0EA95C25003}" type="datetimeFigureOut">
               <a:rPr lang="en-US" smtClean="0"/>
-              <a:t>4/4/22</a:t>
+              <a:t>6/23/22</a:t>
             </a:fld>
             <a:endParaRPr lang="en-US"/>
           </a:p>
@@ -2566,7 +2566,7 @@
           <a:p>
             <a:fld id="{52C970AF-6EB8-4B4E-8B58-B0EA95C25003}" type="datetimeFigureOut">
               <a:rPr lang="en-US" smtClean="0"/>
-              <a:t>4/4/22</a:t>
+              <a:t>6/23/22</a:t>
             </a:fld>
             <a:endParaRPr lang="en-US"/>
           </a:p>
@@ -2973,10 +2973,10 @@
       </p:grpSpPr>
       <p:pic>
         <p:nvPicPr>
-          <p:cNvPr id="2" name="Picture 1">
+          <p:cNvPr id="3" name="Picture 2">
             <a:extLst>
               <a:ext uri="{FF2B5EF4-FFF2-40B4-BE49-F238E27FC236}">
-                <a16:creationId xmlns:a16="http://schemas.microsoft.com/office/drawing/2014/main" id="{8FFCFD6E-F0CF-454D-B262-74E6D87DF047}"/>
+                <a16:creationId xmlns:a16="http://schemas.microsoft.com/office/drawing/2014/main" id="{54FF5D37-AB35-6353-0DB3-477F1CA34A9F}"/>
               </a:ext>
             </a:extLst>
           </p:cNvPr>
